--- a/Svelte动手玩.pptx
+++ b/Svelte动手玩.pptx
@@ -16955,8 +16955,8 @@
         </p:nvSpPr>
         <p:spPr>
           <a:xfrm>
-            <a:off x="1295325" y="2078875"/>
-            <a:ext cx="7122900" cy="1326900"/>
+            <a:off x="1295324" y="2078875"/>
+            <a:ext cx="3276675" cy="1326900"/>
           </a:xfrm>
           <a:prstGeom prst="rect">
             <a:avLst/>
@@ -17059,6 +17059,154 @@
           </a:ln>
         </p:spPr>
       </p:pic>
+      <p:sp>
+        <p:nvSpPr>
+          <p:cNvPr id="2" name="TextBox 1">
+            <a:extLst>
+              <a:ext uri="{FF2B5EF4-FFF2-40B4-BE49-F238E27FC236}">
+                <a16:creationId xmlns:a16="http://schemas.microsoft.com/office/drawing/2014/main" id="{2BFAE2AE-893D-6F43-B98B-8FD2BEA358D1}"/>
+              </a:ext>
+            </a:extLst>
+          </p:cNvPr>
+          <p:cNvSpPr txBox="1"/>
+          <p:nvPr/>
+        </p:nvSpPr>
+        <p:spPr>
+          <a:xfrm>
+            <a:off x="6660701" y="1035895"/>
+            <a:ext cx="1753849" cy="2369880"/>
+          </a:xfrm>
+          <a:prstGeom prst="rect">
+            <a:avLst/>
+          </a:prstGeom>
+          <a:noFill/>
+          <a:ln>
+            <a:solidFill>
+              <a:schemeClr val="tx1"/>
+            </a:solidFill>
+          </a:ln>
+        </p:spPr>
+        <p:txBody>
+          <a:bodyPr wrap="square" rtlCol="0">
+            <a:spAutoFit/>
+          </a:bodyPr>
+          <a:lstStyle/>
+          <a:p>
+            <a:r>
+              <a:rPr lang="en-CN" dirty="0"/>
+              <a:t>您最近使用过哪些前端框架和类库</a:t>
+            </a:r>
+            <a:r>
+              <a:rPr lang="zh-CN" altLang="en-US" dirty="0"/>
+              <a:t>：</a:t>
+            </a:r>
+            <a:endParaRPr lang="en-US" altLang="zh-CN" dirty="0"/>
+          </a:p>
+          <a:p>
+            <a:endParaRPr lang="en-US" sz="1200" dirty="0"/>
+          </a:p>
+          <a:p>
+            <a:pPr marL="342900" indent="-342900">
+              <a:buFont typeface="+mj-lt"/>
+              <a:buAutoNum type="arabicPeriod"/>
+            </a:pPr>
+            <a:r>
+              <a:rPr lang="en-US" altLang="zh-CN" sz="1200" dirty="0" err="1"/>
+              <a:t>React.js</a:t>
+            </a:r>
+            <a:endParaRPr lang="en-US" altLang="zh-CN" sz="1200" dirty="0"/>
+          </a:p>
+          <a:p>
+            <a:pPr marL="342900" indent="-342900">
+              <a:buFont typeface="+mj-lt"/>
+              <a:buAutoNum type="arabicPeriod"/>
+            </a:pPr>
+            <a:r>
+              <a:rPr lang="en-US" altLang="zh-CN" sz="1200" dirty="0"/>
+              <a:t>Angular</a:t>
+            </a:r>
+          </a:p>
+          <a:p>
+            <a:pPr marL="342900" indent="-342900">
+              <a:buFont typeface="+mj-lt"/>
+              <a:buAutoNum type="arabicPeriod"/>
+            </a:pPr>
+            <a:r>
+              <a:rPr lang="en-US" altLang="zh-CN" sz="1200" dirty="0"/>
+              <a:t>Vue</a:t>
+            </a:r>
+          </a:p>
+          <a:p>
+            <a:pPr marL="342900" indent="-342900">
+              <a:buFont typeface="+mj-lt"/>
+              <a:buAutoNum type="arabicPeriod"/>
+            </a:pPr>
+            <a:r>
+              <a:rPr lang="en-US" altLang="zh-CN" sz="1200" dirty="0" err="1"/>
+              <a:t>Rx.js</a:t>
+            </a:r>
+            <a:endParaRPr lang="en-US" altLang="zh-CN" sz="1200" dirty="0"/>
+          </a:p>
+          <a:p>
+            <a:pPr marL="342900" indent="-342900">
+              <a:buFont typeface="+mj-lt"/>
+              <a:buAutoNum type="arabicPeriod"/>
+            </a:pPr>
+            <a:r>
+              <a:rPr lang="en-US" altLang="zh-CN" sz="1200" dirty="0"/>
+              <a:t>Underscore</a:t>
+            </a:r>
+          </a:p>
+          <a:p>
+            <a:pPr marL="342900" indent="-342900">
+              <a:buFont typeface="+mj-lt"/>
+              <a:buAutoNum type="arabicPeriod"/>
+            </a:pPr>
+            <a:r>
+              <a:rPr lang="en-US" altLang="zh-CN" sz="1200" dirty="0"/>
+              <a:t>jQuery/</a:t>
+            </a:r>
+            <a:r>
+              <a:rPr lang="en-US" altLang="zh-CN" sz="1200" dirty="0" err="1"/>
+              <a:t>jQueryUI</a:t>
+            </a:r>
+            <a:endParaRPr lang="en-US" altLang="zh-CN" sz="1200" dirty="0"/>
+          </a:p>
+          <a:p>
+            <a:pPr marL="342900" indent="-342900">
+              <a:buFont typeface="+mj-lt"/>
+              <a:buAutoNum type="arabicPeriod"/>
+            </a:pPr>
+            <a:r>
+              <a:rPr lang="en-US" altLang="zh-CN" sz="1200" dirty="0" err="1"/>
+              <a:t>Angular.js</a:t>
+            </a:r>
+            <a:endParaRPr lang="en-US" altLang="zh-CN" sz="1200" dirty="0"/>
+          </a:p>
+          <a:p>
+            <a:pPr marL="342900" indent="-342900">
+              <a:buFont typeface="+mj-lt"/>
+              <a:buAutoNum type="arabicPeriod"/>
+            </a:pPr>
+            <a:r>
+              <a:rPr lang="en-US" sz="1200" dirty="0" err="1"/>
+              <a:t>其他</a:t>
+            </a:r>
+            <a:endParaRPr lang="en-US" sz="1200" dirty="0"/>
+          </a:p>
+          <a:p>
+            <a:pPr marL="342900" indent="-342900">
+              <a:buFont typeface="+mj-lt"/>
+              <a:buAutoNum type="arabicPeriod"/>
+            </a:pPr>
+            <a:r>
+              <a:rPr lang="en-US" sz="1200" dirty="0" err="1"/>
+              <a:t>纯原生</a:t>
+            </a:r>
+            <a:endParaRPr lang="en-CN" sz="1200" dirty="0"/>
+          </a:p>
+        </p:txBody>
+      </p:sp>
     </p:spTree>
   </p:cSld>
   <p:clrMapOvr>
@@ -24009,6 +24157,15 @@
           <a:bodyPr/>
           <a:lstStyle/>
           <a:p>
+            <a:pPr marL="146050" indent="0">
+              <a:buNone/>
+            </a:pPr>
+            <a:r>
+              <a:rPr lang="en-US" dirty="0"/>
+              <a:t>Sapper</a:t>
+            </a:r>
+          </a:p>
+          <a:p>
             <a:r>
               <a:rPr lang="en-US" dirty="0" err="1"/>
               <a:t>服务器端框架</a:t>
@@ -24035,7 +24192,329 @@
               <a:rPr lang="en-US" altLang="zh-CN" dirty="0" err="1"/>
               <a:t>.js</a:t>
             </a:r>
-            <a:endParaRPr lang="en-US" dirty="0"/>
+            <a:endParaRPr lang="en-US" altLang="zh-CN" dirty="0"/>
+          </a:p>
+        </p:txBody>
+      </p:sp>
+      <p:pic>
+        <p:nvPicPr>
+          <p:cNvPr id="3" name="Picture 2" descr="A close up of a toy&#10;&#10;Description automatically generated">
+            <a:extLst>
+              <a:ext uri="{FF2B5EF4-FFF2-40B4-BE49-F238E27FC236}">
+                <a16:creationId xmlns:a16="http://schemas.microsoft.com/office/drawing/2014/main" id="{9BCDB6A8-0699-524A-8754-15CBE8B85B7F}"/>
+              </a:ext>
+            </a:extLst>
+          </p:cNvPr>
+          <p:cNvPicPr>
+            <a:picLocks noChangeAspect="1"/>
+          </p:cNvPicPr>
+          <p:nvPr/>
+        </p:nvPicPr>
+        <p:blipFill>
+          <a:blip r:embed="rId2">
+            <a:extLst>
+              <a:ext uri="{837473B0-CC2E-450A-ABE3-18F120FF3D39}">
+                <a1611:picAttrSrcUrl xmlns:a1611="http://schemas.microsoft.com/office/drawing/2016/11/main" r:id="rId3"/>
+              </a:ext>
+            </a:extLst>
+          </a:blip>
+          <a:stretch>
+            <a:fillRect/>
+          </a:stretch>
+        </p:blipFill>
+        <p:spPr>
+          <a:xfrm>
+            <a:off x="6948700" y="3161525"/>
+            <a:ext cx="1599925" cy="1599925"/>
+          </a:xfrm>
+          <a:prstGeom prst="rect">
+            <a:avLst/>
+          </a:prstGeom>
+        </p:spPr>
+      </p:pic>
+      <p:sp>
+        <p:nvSpPr>
+          <p:cNvPr id="8" name="Subtitle 2">
+            <a:extLst>
+              <a:ext uri="{FF2B5EF4-FFF2-40B4-BE49-F238E27FC236}">
+                <a16:creationId xmlns:a16="http://schemas.microsoft.com/office/drawing/2014/main" id="{A2A915D9-691D-B54C-87B3-5886AD0710FB}"/>
+              </a:ext>
+            </a:extLst>
+          </p:cNvPr>
+          <p:cNvSpPr txBox="1">
+            <a:spLocks/>
+          </p:cNvSpPr>
+          <p:nvPr/>
+        </p:nvSpPr>
+        <p:spPr>
+          <a:xfrm>
+            <a:off x="4760030" y="3920525"/>
+            <a:ext cx="2378014" cy="759000"/>
+          </a:xfrm>
+          <a:prstGeom prst="rect">
+            <a:avLst/>
+          </a:prstGeom>
+          <a:noFill/>
+          <a:ln>
+            <a:noFill/>
+          </a:ln>
+        </p:spPr>
+        <p:txBody>
+          <a:bodyPr spcFirstLastPara="1" wrap="square" lIns="91425" tIns="91425" rIns="91425" bIns="91425" anchor="t" anchorCtr="0">
+            <a:noAutofit/>
+          </a:bodyPr>
+          <a:lstStyle>
+            <a:defPPr marR="0" lvl="0" algn="l" rtl="0">
+              <a:lnSpc>
+                <a:spcPct val="100000"/>
+              </a:lnSpc>
+              <a:spcBef>
+                <a:spcPts val="0"/>
+              </a:spcBef>
+              <a:spcAft>
+                <a:spcPts val="0"/>
+              </a:spcAft>
+            </a:defPPr>
+            <a:lvl1pPr marL="457200" marR="0" lvl="0" indent="-311150" algn="l" rtl="0">
+              <a:lnSpc>
+                <a:spcPct val="100000"/>
+              </a:lnSpc>
+              <a:spcBef>
+                <a:spcPts val="0"/>
+              </a:spcBef>
+              <a:spcAft>
+                <a:spcPts val="0"/>
+              </a:spcAft>
+              <a:buClr>
+                <a:schemeClr val="accent1"/>
+              </a:buClr>
+              <a:buSzPts val="1600"/>
+              <a:buFont typeface="Lato"/>
+              <a:buNone/>
+              <a:defRPr sz="1600" b="0" i="0" u="none" strike="noStrike" cap="none">
+                <a:solidFill>
+                  <a:schemeClr val="accent1"/>
+                </a:solidFill>
+                <a:latin typeface="Lato"/>
+                <a:ea typeface="Lato"/>
+                <a:cs typeface="Lato"/>
+                <a:sym typeface="Lato"/>
+              </a:defRPr>
+            </a:lvl1pPr>
+            <a:lvl2pPr marL="914400" marR="0" lvl="1" indent="-298450" algn="l" rtl="0">
+              <a:lnSpc>
+                <a:spcPct val="100000"/>
+              </a:lnSpc>
+              <a:spcBef>
+                <a:spcPts val="0"/>
+              </a:spcBef>
+              <a:spcAft>
+                <a:spcPts val="0"/>
+              </a:spcAft>
+              <a:buClr>
+                <a:schemeClr val="accent1"/>
+              </a:buClr>
+              <a:buSzPts val="1600"/>
+              <a:buFont typeface="Lato"/>
+              <a:buNone/>
+              <a:defRPr sz="1600" b="0" i="0" u="none" strike="noStrike" cap="none">
+                <a:solidFill>
+                  <a:schemeClr val="accent1"/>
+                </a:solidFill>
+                <a:latin typeface="Lato"/>
+                <a:ea typeface="Lato"/>
+                <a:cs typeface="Lato"/>
+                <a:sym typeface="Lato"/>
+              </a:defRPr>
+            </a:lvl2pPr>
+            <a:lvl3pPr marL="1371600" marR="0" lvl="2" indent="-298450" algn="l" rtl="0">
+              <a:lnSpc>
+                <a:spcPct val="100000"/>
+              </a:lnSpc>
+              <a:spcBef>
+                <a:spcPts val="0"/>
+              </a:spcBef>
+              <a:spcAft>
+                <a:spcPts val="0"/>
+              </a:spcAft>
+              <a:buClr>
+                <a:schemeClr val="accent1"/>
+              </a:buClr>
+              <a:buSzPts val="1600"/>
+              <a:buFont typeface="Lato"/>
+              <a:buNone/>
+              <a:defRPr sz="1600" b="0" i="0" u="none" strike="noStrike" cap="none">
+                <a:solidFill>
+                  <a:schemeClr val="accent1"/>
+                </a:solidFill>
+                <a:latin typeface="Lato"/>
+                <a:ea typeface="Lato"/>
+                <a:cs typeface="Lato"/>
+                <a:sym typeface="Lato"/>
+              </a:defRPr>
+            </a:lvl3pPr>
+            <a:lvl4pPr marL="1828800" marR="0" lvl="3" indent="-298450" algn="l" rtl="0">
+              <a:lnSpc>
+                <a:spcPct val="100000"/>
+              </a:lnSpc>
+              <a:spcBef>
+                <a:spcPts val="0"/>
+              </a:spcBef>
+              <a:spcAft>
+                <a:spcPts val="0"/>
+              </a:spcAft>
+              <a:buClr>
+                <a:schemeClr val="accent1"/>
+              </a:buClr>
+              <a:buSzPts val="1600"/>
+              <a:buFont typeface="Lato"/>
+              <a:buNone/>
+              <a:defRPr sz="1600" b="0" i="0" u="none" strike="noStrike" cap="none">
+                <a:solidFill>
+                  <a:schemeClr val="accent1"/>
+                </a:solidFill>
+                <a:latin typeface="Lato"/>
+                <a:ea typeface="Lato"/>
+                <a:cs typeface="Lato"/>
+                <a:sym typeface="Lato"/>
+              </a:defRPr>
+            </a:lvl4pPr>
+            <a:lvl5pPr marL="2286000" marR="0" lvl="4" indent="-298450" algn="l" rtl="0">
+              <a:lnSpc>
+                <a:spcPct val="100000"/>
+              </a:lnSpc>
+              <a:spcBef>
+                <a:spcPts val="0"/>
+              </a:spcBef>
+              <a:spcAft>
+                <a:spcPts val="0"/>
+              </a:spcAft>
+              <a:buClr>
+                <a:schemeClr val="accent1"/>
+              </a:buClr>
+              <a:buSzPts val="1600"/>
+              <a:buFont typeface="Lato"/>
+              <a:buNone/>
+              <a:defRPr sz="1600" b="0" i="0" u="none" strike="noStrike" cap="none">
+                <a:solidFill>
+                  <a:schemeClr val="accent1"/>
+                </a:solidFill>
+                <a:latin typeface="Lato"/>
+                <a:ea typeface="Lato"/>
+                <a:cs typeface="Lato"/>
+                <a:sym typeface="Lato"/>
+              </a:defRPr>
+            </a:lvl5pPr>
+            <a:lvl6pPr marL="2743200" marR="0" lvl="5" indent="-298450" algn="l" rtl="0">
+              <a:lnSpc>
+                <a:spcPct val="100000"/>
+              </a:lnSpc>
+              <a:spcBef>
+                <a:spcPts val="0"/>
+              </a:spcBef>
+              <a:spcAft>
+                <a:spcPts val="0"/>
+              </a:spcAft>
+              <a:buClr>
+                <a:schemeClr val="accent1"/>
+              </a:buClr>
+              <a:buSzPts val="1600"/>
+              <a:buFont typeface="Lato"/>
+              <a:buNone/>
+              <a:defRPr sz="1600" b="0" i="0" u="none" strike="noStrike" cap="none">
+                <a:solidFill>
+                  <a:schemeClr val="accent1"/>
+                </a:solidFill>
+                <a:latin typeface="Lato"/>
+                <a:ea typeface="Lato"/>
+                <a:cs typeface="Lato"/>
+                <a:sym typeface="Lato"/>
+              </a:defRPr>
+            </a:lvl6pPr>
+            <a:lvl7pPr marL="3200400" marR="0" lvl="6" indent="-298450" algn="l" rtl="0">
+              <a:lnSpc>
+                <a:spcPct val="100000"/>
+              </a:lnSpc>
+              <a:spcBef>
+                <a:spcPts val="0"/>
+              </a:spcBef>
+              <a:spcAft>
+                <a:spcPts val="0"/>
+              </a:spcAft>
+              <a:buClr>
+                <a:schemeClr val="accent1"/>
+              </a:buClr>
+              <a:buSzPts val="1600"/>
+              <a:buFont typeface="Lato"/>
+              <a:buNone/>
+              <a:defRPr sz="1600" b="0" i="0" u="none" strike="noStrike" cap="none">
+                <a:solidFill>
+                  <a:schemeClr val="accent1"/>
+                </a:solidFill>
+                <a:latin typeface="Lato"/>
+                <a:ea typeface="Lato"/>
+                <a:cs typeface="Lato"/>
+                <a:sym typeface="Lato"/>
+              </a:defRPr>
+            </a:lvl7pPr>
+            <a:lvl8pPr marL="3657600" marR="0" lvl="7" indent="-298450" algn="l" rtl="0">
+              <a:lnSpc>
+                <a:spcPct val="100000"/>
+              </a:lnSpc>
+              <a:spcBef>
+                <a:spcPts val="0"/>
+              </a:spcBef>
+              <a:spcAft>
+                <a:spcPts val="0"/>
+              </a:spcAft>
+              <a:buClr>
+                <a:schemeClr val="accent1"/>
+              </a:buClr>
+              <a:buSzPts val="1600"/>
+              <a:buFont typeface="Lato"/>
+              <a:buNone/>
+              <a:defRPr sz="1600" b="0" i="0" u="none" strike="noStrike" cap="none">
+                <a:solidFill>
+                  <a:schemeClr val="accent1"/>
+                </a:solidFill>
+                <a:latin typeface="Lato"/>
+                <a:ea typeface="Lato"/>
+                <a:cs typeface="Lato"/>
+                <a:sym typeface="Lato"/>
+              </a:defRPr>
+            </a:lvl8pPr>
+            <a:lvl9pPr marL="4114800" marR="0" lvl="8" indent="-298450" algn="l" rtl="0">
+              <a:lnSpc>
+                <a:spcPct val="100000"/>
+              </a:lnSpc>
+              <a:spcBef>
+                <a:spcPts val="0"/>
+              </a:spcBef>
+              <a:spcAft>
+                <a:spcPts val="0"/>
+              </a:spcAft>
+              <a:buClr>
+                <a:schemeClr val="accent1"/>
+              </a:buClr>
+              <a:buSzPts val="1600"/>
+              <a:buFont typeface="Lato"/>
+              <a:buNone/>
+              <a:defRPr sz="1600" b="0" i="0" u="none" strike="noStrike" cap="none">
+                <a:solidFill>
+                  <a:schemeClr val="accent1"/>
+                </a:solidFill>
+                <a:latin typeface="Lato"/>
+                <a:ea typeface="Lato"/>
+                <a:cs typeface="Lato"/>
+                <a:sym typeface="Lato"/>
+              </a:defRPr>
+            </a:lvl9pPr>
+          </a:lstStyle>
+          <a:p>
+            <a:r>
+              <a:rPr lang="en-US" dirty="0"/>
+              <a:t>React/Angular/Vue</a:t>
+            </a:r>
           </a:p>
         </p:txBody>
       </p:sp>

--- a/Svelte动手玩.pptx
+++ b/Svelte动手玩.pptx
@@ -12312,7 +12312,7 @@
             </a:r>
             <a:r>
               <a:rPr lang="en-US" altLang="zh-CN" sz="1600" dirty="0" err="1"/>
-              <a:t>其他</a:t>
+              <a:t>纯原生</a:t>
             </a:r>
             <a:br>
               <a:rPr lang="en-US" altLang="zh-CN" sz="1600" dirty="0"/>
@@ -12327,7 +12327,7 @@
             </a:r>
             <a:r>
               <a:rPr lang="en-US" altLang="zh-CN" sz="1600" dirty="0" err="1"/>
-              <a:t>纯原生</a:t>
+              <a:t>其他</a:t>
             </a:r>
             <a:endParaRPr lang="zh-CN" altLang="en-US" sz="1600" dirty="0"/>
           </a:p>
